--- a/docs/res/media/hotel departement privé.pptx
+++ b/docs/res/media/hotel departement privé.pptx
@@ -2776,90 +2776,6 @@
           </p:style>
         </p:sp>
       </p:grpSp>
-      <p:sp>
-        <p:nvSpPr>
-          <p:cNvPr id="47" name="Security booth"/>
-          <p:cNvSpPr/>
-          <p:nvPr/>
-        </p:nvSpPr>
-        <p:spPr>
-          <a:xfrm>
-            <a:off x="4395953" y="3261559"/>
-            <a:ext cx="221960" cy="221960"/>
-          </a:xfrm>
-          <a:custGeom>
-            <a:avLst/>
-            <a:gdLst/>
-            <a:ahLst/>
-            <a:cxnLst/>
-            <a:rect l="l" t="t" r="r" b="b"/>
-            <a:pathLst>
-              <a:path w="221960" h="221960">
-                <a:moveTo>
-                  <a:pt x="0" y="0"/>
-                </a:moveTo>
-                <a:lnTo>
-                  <a:pt x="221960" y="0"/>
-                </a:lnTo>
-                <a:lnTo>
-                  <a:pt x="221960" y="221960"/>
-                </a:lnTo>
-                <a:lnTo>
-                  <a:pt x="0" y="221960"/>
-                </a:lnTo>
-                <a:lnTo>
-                  <a:pt x="0" y="0"/>
-                </a:lnTo>
-                <a:close/>
-              </a:path>
-              <a:path w="221960" h="221960" fill="none">
-                <a:moveTo>
-                  <a:pt x="0" y="0"/>
-                </a:moveTo>
-                <a:lnTo>
-                  <a:pt x="221960" y="221960"/>
-                </a:lnTo>
-              </a:path>
-              <a:path w="221960" h="221960" fill="none">
-                <a:moveTo>
-                  <a:pt x="0" y="221960"/>
-                </a:moveTo>
-                <a:lnTo>
-                  <a:pt x="221960" y="0"/>
-                </a:lnTo>
-              </a:path>
-            </a:pathLst>
-          </a:custGeom>
-          <a:solidFill>
-            <a:srgbClr val="4192B0">
-              <a:alpha val="100000"/>
-            </a:srgbClr>
-          </a:solidFill>
-          <a:ln w="14400" cap="rnd">
-            <a:solidFill>
-              <a:srgbClr val="EFEFEF"/>
-            </a:solidFill>
-            <a:headEnd type="none" w="med" len="med"/>
-            <a:tailEnd type="none" w="med" len="med"/>
-          </a:ln>
-        </p:spPr>
-        <p:style>
-          <a:lnRef idx="2">
-            <a:schemeClr val="accent1">
-              <a:shade val="50000"/>
-            </a:schemeClr>
-          </a:lnRef>
-          <a:fillRef idx="1">
-            <a:schemeClr val="accent1"/>
-          </a:fillRef>
-          <a:effectRef idx="0">
-            <a:schemeClr val="accent1"/>
-          </a:effectRef>
-          <a:fontRef idx="minor">
-            <a:schemeClr val="lt1"/>
-          </a:fontRef>
-        </p:style>
-      </p:sp>
       <p:grpSp>
         <p:nvGrpSpPr>
           <p:cNvPr id="48" name="Dumpster"/>
@@ -3395,90 +3311,6 @@
           </a:xfrm>
         </p:grpSpPr>
       </p:grpSp>
-      <p:sp>
-        <p:nvSpPr>
-          <p:cNvPr id="57" name="Security booth"/>
-          <p:cNvSpPr/>
-          <p:nvPr/>
-        </p:nvSpPr>
-        <p:spPr>
-          <a:xfrm>
-            <a:off x="5086833" y="1188919"/>
-            <a:ext cx="221960" cy="221960"/>
-          </a:xfrm>
-          <a:custGeom>
-            <a:avLst/>
-            <a:gdLst/>
-            <a:ahLst/>
-            <a:cxnLst/>
-            <a:rect l="l" t="t" r="r" b="b"/>
-            <a:pathLst>
-              <a:path w="221960" h="221960">
-                <a:moveTo>
-                  <a:pt x="0" y="0"/>
-                </a:moveTo>
-                <a:lnTo>
-                  <a:pt x="221960" y="0"/>
-                </a:lnTo>
-                <a:lnTo>
-                  <a:pt x="221960" y="221960"/>
-                </a:lnTo>
-                <a:lnTo>
-                  <a:pt x="0" y="221960"/>
-                </a:lnTo>
-                <a:lnTo>
-                  <a:pt x="0" y="0"/>
-                </a:lnTo>
-                <a:close/>
-              </a:path>
-              <a:path w="221960" h="221960" fill="none">
-                <a:moveTo>
-                  <a:pt x="0" y="0"/>
-                </a:moveTo>
-                <a:lnTo>
-                  <a:pt x="221960" y="221960"/>
-                </a:lnTo>
-              </a:path>
-              <a:path w="221960" h="221960" fill="none">
-                <a:moveTo>
-                  <a:pt x="0" y="221960"/>
-                </a:moveTo>
-                <a:lnTo>
-                  <a:pt x="221960" y="0"/>
-                </a:lnTo>
-              </a:path>
-            </a:pathLst>
-          </a:custGeom>
-          <a:solidFill>
-            <a:srgbClr val="4192B0">
-              <a:alpha val="100000"/>
-            </a:srgbClr>
-          </a:solidFill>
-          <a:ln w="14400" cap="rnd">
-            <a:solidFill>
-              <a:srgbClr val="EFEFEF"/>
-            </a:solidFill>
-            <a:headEnd type="none" w="med" len="med"/>
-            <a:tailEnd type="none" w="med" len="med"/>
-          </a:ln>
-        </p:spPr>
-        <p:style>
-          <a:lnRef idx="2">
-            <a:schemeClr val="accent1">
-              <a:shade val="50000"/>
-            </a:schemeClr>
-          </a:lnRef>
-          <a:fillRef idx="1">
-            <a:schemeClr val="accent1"/>
-          </a:fillRef>
-          <a:effectRef idx="0">
-            <a:schemeClr val="accent1"/>
-          </a:effectRef>
-          <a:fontRef idx="minor">
-            <a:schemeClr val="lt1"/>
-          </a:fontRef>
-        </p:style>
-      </p:sp>
       <p:cxnSp>
         <p:nvCxnSpPr>
           <p:cNvPr id="58" name="Smart Connector"/>
@@ -8514,7 +8346,7 @@
         <p:spPr>
           <a:xfrm>
             <a:off x="7218508" y="876511"/>
-            <a:ext cx="1260376" cy="3621598"/>
+            <a:ext cx="1260376" cy="2935284"/>
           </a:xfrm>
           <a:custGeom>
             <a:avLst/>
@@ -8690,90 +8522,6 @@
           </p:txBody>
         </p:sp>
       </p:grpSp>
-      <p:sp>
-        <p:nvSpPr>
-          <p:cNvPr id="201" name="Security booth"/>
-          <p:cNvSpPr/>
-          <p:nvPr/>
-        </p:nvSpPr>
-        <p:spPr>
-          <a:xfrm>
-            <a:off x="7334433" y="1550409"/>
-            <a:ext cx="183967" cy="183966"/>
-          </a:xfrm>
-          <a:custGeom>
-            <a:avLst/>
-            <a:gdLst/>
-            <a:ahLst/>
-            <a:cxnLst/>
-            <a:rect l="l" t="t" r="r" b="b"/>
-            <a:pathLst>
-              <a:path w="183967" h="183966">
-                <a:moveTo>
-                  <a:pt x="0" y="0"/>
-                </a:moveTo>
-                <a:lnTo>
-                  <a:pt x="183967" y="0"/>
-                </a:lnTo>
-                <a:lnTo>
-                  <a:pt x="183967" y="183966"/>
-                </a:lnTo>
-                <a:lnTo>
-                  <a:pt x="0" y="183966"/>
-                </a:lnTo>
-                <a:lnTo>
-                  <a:pt x="0" y="0"/>
-                </a:lnTo>
-                <a:close/>
-              </a:path>
-              <a:path w="183967" h="183966" fill="none">
-                <a:moveTo>
-                  <a:pt x="0" y="0"/>
-                </a:moveTo>
-                <a:lnTo>
-                  <a:pt x="183967" y="183966"/>
-                </a:lnTo>
-              </a:path>
-              <a:path w="183967" h="183966" fill="none">
-                <a:moveTo>
-                  <a:pt x="0" y="183966"/>
-                </a:moveTo>
-                <a:lnTo>
-                  <a:pt x="183967" y="0"/>
-                </a:lnTo>
-              </a:path>
-            </a:pathLst>
-          </a:custGeom>
-          <a:solidFill>
-            <a:srgbClr val="4192B0">
-              <a:alpha val="100000"/>
-            </a:srgbClr>
-          </a:solidFill>
-          <a:ln w="14400" cap="rnd">
-            <a:solidFill>
-              <a:srgbClr val="EFEFEF"/>
-            </a:solidFill>
-            <a:headEnd type="none" w="med" len="med"/>
-            <a:tailEnd type="none" w="med" len="med"/>
-          </a:ln>
-        </p:spPr>
-        <p:style>
-          <a:lnRef idx="2">
-            <a:schemeClr val="accent1">
-              <a:shade val="50000"/>
-            </a:schemeClr>
-          </a:lnRef>
-          <a:fillRef idx="1">
-            <a:schemeClr val="accent1"/>
-          </a:fillRef>
-          <a:effectRef idx="0">
-            <a:schemeClr val="accent1"/>
-          </a:effectRef>
-          <a:fontRef idx="minor">
-            <a:schemeClr val="lt1"/>
-          </a:fontRef>
-        </p:style>
-      </p:sp>
       <p:grpSp>
         <p:nvGrpSpPr>
           <p:cNvPr id="202" name="Security gate"/>
@@ -9001,7 +8749,7 @@
         </p:nvGrpSpPr>
         <p:grpSpPr>
           <a:xfrm>
-            <a:off x="7350115" y="2162727"/>
+            <a:off x="7350115" y="1497715"/>
             <a:ext cx="251790" cy="375396"/>
             <a:chOff x="7350115" y="2162727"/>
             <a:chExt cx="251790" cy="375396"/>
@@ -9254,7 +9002,7 @@
         </p:nvGrpSpPr>
         <p:grpSpPr>
           <a:xfrm>
-            <a:off x="7331707" y="2659651"/>
+            <a:off x="7331707" y="1994639"/>
             <a:ext cx="991959" cy="202573"/>
             <a:chOff x="7331707" y="2659651"/>
             <a:chExt cx="991959" cy="202573"/>
@@ -9482,121 +9230,6 @@
                   <a:latin typeface="Tahoma"/>
                 </a:rPr>
                 <a:t>Parking privé</a:t>
-              </a:r>
-              <a:endParaRPr kern="100" dirty="0"/>
-            </a:p>
-          </p:txBody>
-        </p:sp>
-      </p:grpSp>
-      <p:grpSp>
-        <p:nvGrpSpPr>
-          <p:cNvPr id="217" name="H"/>
-          <p:cNvGrpSpPr/>
-          <p:nvPr/>
-        </p:nvGrpSpPr>
-        <p:grpSpPr>
-          <a:xfrm>
-            <a:off x="7306066" y="1777255"/>
-            <a:ext cx="1162165" cy="202573"/>
-            <a:chOff x="7306066" y="1777255"/>
-            <a:chExt cx="1162165" cy="202573"/>
-          </a:xfrm>
-        </p:grpSpPr>
-        <p:sp>
-          <p:nvSpPr>
-            <p:cNvPr id="218" name="No name"/>
-            <p:cNvSpPr/>
-            <p:nvPr/>
-          </p:nvSpPr>
-          <p:spPr>
-            <a:xfrm>
-              <a:off x="7306066" y="1777255"/>
-              <a:ext cx="1162165" cy="202573"/>
-            </a:xfrm>
-            <a:custGeom>
-              <a:avLst/>
-              <a:gdLst/>
-              <a:ahLst/>
-              <a:cxnLst/>
-              <a:rect l="l" t="t" r="r" b="b"/>
-              <a:pathLst>
-                <a:path w="1162165" h="202573">
-                  <a:moveTo>
-                    <a:pt x="0" y="0"/>
-                  </a:moveTo>
-                  <a:lnTo>
-                    <a:pt x="0" y="202573"/>
-                  </a:lnTo>
-                  <a:lnTo>
-                    <a:pt x="1162165" y="202573"/>
-                  </a:lnTo>
-                  <a:lnTo>
-                    <a:pt x="1162165" y="0"/>
-                  </a:lnTo>
-                  <a:lnTo>
-                    <a:pt x="0" y="0"/>
-                  </a:lnTo>
-                  <a:close/>
-                </a:path>
-              </a:pathLst>
-            </a:custGeom>
-            <a:solidFill>
-              <a:srgbClr val="000000">
-                <a:alpha val="100"/>
-              </a:srgbClr>
-            </a:solidFill>
-            <a:ln w="28800" cap="rnd">
-              <a:solidFill>
-                <a:srgbClr val="FFFFFF">
-                  <a:alpha val="100"/>
-                </a:srgbClr>
-              </a:solidFill>
-              <a:headEnd type="none" w="med" len="med"/>
-              <a:tailEnd type="none" w="med" len="med"/>
-            </a:ln>
-          </p:spPr>
-          <p:style>
-            <a:lnRef idx="2">
-              <a:schemeClr val="accent1">
-                <a:shade val="50000"/>
-              </a:schemeClr>
-            </a:lnRef>
-            <a:fillRef idx="1">
-              <a:schemeClr val="accent1"/>
-            </a:fillRef>
-            <a:effectRef idx="0">
-              <a:schemeClr val="accent1"/>
-            </a:effectRef>
-            <a:fontRef idx="minor">
-              <a:schemeClr val="lt1"/>
-            </a:fontRef>
-          </p:style>
-        </p:sp>
-        <p:sp>
-          <p:nvSpPr>
-            <p:cNvPr id="219" name="@"/>
-            <p:cNvSpPr/>
-            <p:nvPr/>
-          </p:nvSpPr>
-          <p:spPr>
-            <a:xfrm>
-              <a:off x="7306066" y="1777255"/>
-              <a:ext cx="1162165" cy="202573"/>
-            </a:xfrm>
-          </p:spPr>
-          <p:txBody>
-            <a:bodyPr wrap="square" lIns="10800" tIns="10800" rIns="10800" bIns="10800" rtlCol="0" anchor="ctr"/>
-            <a:lstStyle/>
-            <a:p>
-              <a:pPr defTabSz="457200"/>
-              <a:r>
-                <a:rPr sz="1100" kern="100" spc="-9" dirty="0">
-                  <a:solidFill>
-                    <a:srgbClr val="252525"/>
-                  </a:solidFill>
-                  <a:latin typeface="Tahoma"/>
-                </a:rPr>
-                <a:t>Borne à tickets</a:t>
               </a:r>
               <a:endParaRPr kern="100" dirty="0"/>
             </a:p>
@@ -10030,7 +9663,7 @@
         </p:nvSpPr>
         <p:spPr>
           <a:xfrm rot="1340663">
-            <a:off x="7387793" y="3153338"/>
+            <a:off x="7387793" y="2488326"/>
             <a:ext cx="194995" cy="125960"/>
           </a:xfrm>
           <a:custGeom>
@@ -10113,7 +9746,7 @@
         </p:nvGrpSpPr>
         <p:grpSpPr>
           <a:xfrm>
-            <a:off x="7341314" y="3406614"/>
+            <a:off x="7341314" y="2741602"/>
             <a:ext cx="991959" cy="202573"/>
             <a:chOff x="7366995" y="4338073"/>
             <a:chExt cx="991959" cy="202573"/>
@@ -10311,7 +9944,7 @@
         </p:nvSpPr>
         <p:spPr>
           <a:xfrm rot="8837369">
-            <a:off x="7431056" y="3801991"/>
+            <a:off x="7431056" y="3136979"/>
             <a:ext cx="137225" cy="88643"/>
           </a:xfrm>
           <a:custGeom>
@@ -10394,7 +10027,7 @@
         </p:nvGrpSpPr>
         <p:grpSpPr>
           <a:xfrm>
-            <a:off x="7341314" y="4044249"/>
+            <a:off x="7341314" y="3379237"/>
             <a:ext cx="991959" cy="202573"/>
             <a:chOff x="7366995" y="4975708"/>
             <a:chExt cx="991959" cy="202573"/>

--- a/docs/res/media/hotel departement privé.pptx
+++ b/docs/res/media/hotel departement privé.pptx
@@ -8346,7 +8346,7 @@
         <p:spPr>
           <a:xfrm>
             <a:off x="7218508" y="876511"/>
-            <a:ext cx="1260376" cy="2935284"/>
+            <a:ext cx="1260376" cy="3466602"/>
           </a:xfrm>
           <a:custGeom>
             <a:avLst/>
@@ -8749,7 +8749,7 @@
         </p:nvGrpSpPr>
         <p:grpSpPr>
           <a:xfrm>
-            <a:off x="7350115" y="1497715"/>
+            <a:off x="7350115" y="2144259"/>
             <a:ext cx="251790" cy="375396"/>
             <a:chOff x="7350115" y="2162727"/>
             <a:chExt cx="251790" cy="375396"/>
@@ -9002,7 +9002,7 @@
         </p:nvGrpSpPr>
         <p:grpSpPr>
           <a:xfrm>
-            <a:off x="7331707" y="1994639"/>
+            <a:off x="7331707" y="2641183"/>
             <a:ext cx="991959" cy="202573"/>
             <a:chOff x="7331707" y="2659651"/>
             <a:chExt cx="991959" cy="202573"/>
@@ -9663,7 +9663,7 @@
         </p:nvSpPr>
         <p:spPr>
           <a:xfrm rot="1340663">
-            <a:off x="7387793" y="2488326"/>
+            <a:off x="7387793" y="3014793"/>
             <a:ext cx="194995" cy="125960"/>
           </a:xfrm>
           <a:custGeom>
@@ -9746,7 +9746,7 @@
         </p:nvGrpSpPr>
         <p:grpSpPr>
           <a:xfrm>
-            <a:off x="7341314" y="2741602"/>
+            <a:off x="7341314" y="3268069"/>
             <a:ext cx="991959" cy="202573"/>
             <a:chOff x="7366995" y="4338073"/>
             <a:chExt cx="991959" cy="202573"/>
@@ -9944,7 +9944,7 @@
         </p:nvSpPr>
         <p:spPr>
           <a:xfrm rot="8837369">
-            <a:off x="7431056" y="3136979"/>
+            <a:off x="7431056" y="3663446"/>
             <a:ext cx="137225" cy="88643"/>
           </a:xfrm>
           <a:custGeom>
@@ -10027,7 +10027,7 @@
         </p:nvGrpSpPr>
         <p:grpSpPr>
           <a:xfrm>
-            <a:off x="7341314" y="3379237"/>
+            <a:off x="7341314" y="3905704"/>
             <a:ext cx="991959" cy="202573"/>
             <a:chOff x="7366995" y="4975708"/>
             <a:chExt cx="991959" cy="202573"/>
@@ -10223,6 +10223,409 @@
           </a:fontRef>
         </p:style>
       </p:sp>
+      <p:sp>
+        <p:nvSpPr>
+          <p:cNvPr id="47" name="Security booth">
+            <a:extLst>
+              <a:ext uri="{FF2B5EF4-FFF2-40B4-BE49-F238E27FC236}">
+                <a16:creationId xmlns:a16="http://schemas.microsoft.com/office/drawing/2014/main" id="{D03E7676-61F9-BAE9-8DBF-2726DF69B0B2}"/>
+              </a:ext>
+            </a:extLst>
+          </p:cNvPr>
+          <p:cNvSpPr/>
+          <p:nvPr/>
+        </p:nvSpPr>
+        <p:spPr>
+          <a:xfrm>
+            <a:off x="5086833" y="1188919"/>
+            <a:ext cx="221960" cy="221960"/>
+          </a:xfrm>
+          <a:custGeom>
+            <a:avLst/>
+            <a:gdLst/>
+            <a:ahLst/>
+            <a:cxnLst/>
+            <a:rect l="l" t="t" r="r" b="b"/>
+            <a:pathLst>
+              <a:path w="221960" h="221960">
+                <a:moveTo>
+                  <a:pt x="0" y="0"/>
+                </a:moveTo>
+                <a:lnTo>
+                  <a:pt x="221960" y="0"/>
+                </a:lnTo>
+                <a:lnTo>
+                  <a:pt x="221960" y="221960"/>
+                </a:lnTo>
+                <a:lnTo>
+                  <a:pt x="0" y="221960"/>
+                </a:lnTo>
+                <a:lnTo>
+                  <a:pt x="0" y="0"/>
+                </a:lnTo>
+                <a:close/>
+              </a:path>
+              <a:path w="221960" h="221960" fill="none">
+                <a:moveTo>
+                  <a:pt x="0" y="0"/>
+                </a:moveTo>
+                <a:lnTo>
+                  <a:pt x="221960" y="221960"/>
+                </a:lnTo>
+              </a:path>
+              <a:path w="221960" h="221960" fill="none">
+                <a:moveTo>
+                  <a:pt x="0" y="221960"/>
+                </a:moveTo>
+                <a:lnTo>
+                  <a:pt x="221960" y="0"/>
+                </a:lnTo>
+              </a:path>
+            </a:pathLst>
+          </a:custGeom>
+          <a:solidFill>
+            <a:srgbClr val="4192B0">
+              <a:alpha val="100000"/>
+            </a:srgbClr>
+          </a:solidFill>
+          <a:ln w="14400" cap="rnd">
+            <a:solidFill>
+              <a:srgbClr val="EFEFEF"/>
+            </a:solidFill>
+            <a:headEnd type="none" w="med" len="med"/>
+            <a:tailEnd type="none" w="med" len="med"/>
+          </a:ln>
+        </p:spPr>
+        <p:style>
+          <a:lnRef idx="2">
+            <a:schemeClr val="accent1">
+              <a:shade val="50000"/>
+            </a:schemeClr>
+          </a:lnRef>
+          <a:fillRef idx="1">
+            <a:schemeClr val="accent1"/>
+          </a:fillRef>
+          <a:effectRef idx="0">
+            <a:schemeClr val="accent1"/>
+          </a:effectRef>
+          <a:fontRef idx="minor">
+            <a:schemeClr val="lt1"/>
+          </a:fontRef>
+        </p:style>
+      </p:sp>
+      <p:sp>
+        <p:nvSpPr>
+          <p:cNvPr id="57" name="Security booth">
+            <a:extLst>
+              <a:ext uri="{FF2B5EF4-FFF2-40B4-BE49-F238E27FC236}">
+                <a16:creationId xmlns:a16="http://schemas.microsoft.com/office/drawing/2014/main" id="{9C7677B6-80C0-297C-5186-3EFFBA1B6315}"/>
+              </a:ext>
+            </a:extLst>
+          </p:cNvPr>
+          <p:cNvSpPr/>
+          <p:nvPr/>
+        </p:nvSpPr>
+        <p:spPr>
+          <a:xfrm>
+            <a:off x="4395953" y="3261559"/>
+            <a:ext cx="221960" cy="221960"/>
+          </a:xfrm>
+          <a:custGeom>
+            <a:avLst/>
+            <a:gdLst/>
+            <a:ahLst/>
+            <a:cxnLst/>
+            <a:rect l="l" t="t" r="r" b="b"/>
+            <a:pathLst>
+              <a:path w="221960" h="221960">
+                <a:moveTo>
+                  <a:pt x="0" y="0"/>
+                </a:moveTo>
+                <a:lnTo>
+                  <a:pt x="221960" y="0"/>
+                </a:lnTo>
+                <a:lnTo>
+                  <a:pt x="221960" y="221960"/>
+                </a:lnTo>
+                <a:lnTo>
+                  <a:pt x="0" y="221960"/>
+                </a:lnTo>
+                <a:lnTo>
+                  <a:pt x="0" y="0"/>
+                </a:lnTo>
+                <a:close/>
+              </a:path>
+              <a:path w="221960" h="221960" fill="none">
+                <a:moveTo>
+                  <a:pt x="0" y="0"/>
+                </a:moveTo>
+                <a:lnTo>
+                  <a:pt x="221960" y="221960"/>
+                </a:lnTo>
+              </a:path>
+              <a:path w="221960" h="221960" fill="none">
+                <a:moveTo>
+                  <a:pt x="0" y="221960"/>
+                </a:moveTo>
+                <a:lnTo>
+                  <a:pt x="221960" y="0"/>
+                </a:lnTo>
+              </a:path>
+            </a:pathLst>
+          </a:custGeom>
+          <a:solidFill>
+            <a:srgbClr val="4192B0">
+              <a:alpha val="100000"/>
+            </a:srgbClr>
+          </a:solidFill>
+          <a:ln w="14400" cap="rnd">
+            <a:solidFill>
+              <a:srgbClr val="EFEFEF"/>
+            </a:solidFill>
+            <a:headEnd type="none" w="med" len="med"/>
+            <a:tailEnd type="none" w="med" len="med"/>
+          </a:ln>
+        </p:spPr>
+        <p:style>
+          <a:lnRef idx="2">
+            <a:schemeClr val="accent1">
+              <a:shade val="50000"/>
+            </a:schemeClr>
+          </a:lnRef>
+          <a:fillRef idx="1">
+            <a:schemeClr val="accent1"/>
+          </a:fillRef>
+          <a:effectRef idx="0">
+            <a:schemeClr val="accent1"/>
+          </a:effectRef>
+          <a:fontRef idx="minor">
+            <a:schemeClr val="lt1"/>
+          </a:fontRef>
+        </p:style>
+      </p:sp>
+      <p:sp>
+        <p:nvSpPr>
+          <p:cNvPr id="238" name="Security booth">
+            <a:extLst>
+              <a:ext uri="{FF2B5EF4-FFF2-40B4-BE49-F238E27FC236}">
+                <a16:creationId xmlns:a16="http://schemas.microsoft.com/office/drawing/2014/main" id="{83E9EBD5-4106-C1A7-F354-83137937A809}"/>
+              </a:ext>
+            </a:extLst>
+          </p:cNvPr>
+          <p:cNvSpPr/>
+          <p:nvPr/>
+        </p:nvSpPr>
+        <p:spPr>
+          <a:xfrm>
+            <a:off x="7334433" y="1550409"/>
+            <a:ext cx="183967" cy="183966"/>
+          </a:xfrm>
+          <a:custGeom>
+            <a:avLst/>
+            <a:gdLst/>
+            <a:ahLst/>
+            <a:cxnLst/>
+            <a:rect l="l" t="t" r="r" b="b"/>
+            <a:pathLst>
+              <a:path w="183967" h="183966">
+                <a:moveTo>
+                  <a:pt x="0" y="0"/>
+                </a:moveTo>
+                <a:lnTo>
+                  <a:pt x="183967" y="0"/>
+                </a:lnTo>
+                <a:lnTo>
+                  <a:pt x="183967" y="183966"/>
+                </a:lnTo>
+                <a:lnTo>
+                  <a:pt x="0" y="183966"/>
+                </a:lnTo>
+                <a:lnTo>
+                  <a:pt x="0" y="0"/>
+                </a:lnTo>
+                <a:close/>
+              </a:path>
+              <a:path w="183967" h="183966" fill="none">
+                <a:moveTo>
+                  <a:pt x="0" y="0"/>
+                </a:moveTo>
+                <a:lnTo>
+                  <a:pt x="183967" y="183966"/>
+                </a:lnTo>
+              </a:path>
+              <a:path w="183967" h="183966" fill="none">
+                <a:moveTo>
+                  <a:pt x="0" y="183966"/>
+                </a:moveTo>
+                <a:lnTo>
+                  <a:pt x="183967" y="0"/>
+                </a:lnTo>
+              </a:path>
+            </a:pathLst>
+          </a:custGeom>
+          <a:solidFill>
+            <a:srgbClr val="4192B0">
+              <a:alpha val="100000"/>
+            </a:srgbClr>
+          </a:solidFill>
+          <a:ln w="14400" cap="rnd">
+            <a:solidFill>
+              <a:srgbClr val="EFEFEF"/>
+            </a:solidFill>
+            <a:headEnd type="none" w="med" len="med"/>
+            <a:tailEnd type="none" w="med" len="med"/>
+          </a:ln>
+        </p:spPr>
+        <p:style>
+          <a:lnRef idx="2">
+            <a:schemeClr val="accent1">
+              <a:shade val="50000"/>
+            </a:schemeClr>
+          </a:lnRef>
+          <a:fillRef idx="1">
+            <a:schemeClr val="accent1"/>
+          </a:fillRef>
+          <a:effectRef idx="0">
+            <a:schemeClr val="accent1"/>
+          </a:effectRef>
+          <a:fontRef idx="minor">
+            <a:schemeClr val="lt1"/>
+          </a:fontRef>
+        </p:style>
+      </p:sp>
+      <p:grpSp>
+        <p:nvGrpSpPr>
+          <p:cNvPr id="240" name="H">
+            <a:extLst>
+              <a:ext uri="{FF2B5EF4-FFF2-40B4-BE49-F238E27FC236}">
+                <a16:creationId xmlns:a16="http://schemas.microsoft.com/office/drawing/2014/main" id="{A8587524-1AFA-51D4-28A2-48E3CD1D9892}"/>
+              </a:ext>
+            </a:extLst>
+          </p:cNvPr>
+          <p:cNvGrpSpPr/>
+          <p:nvPr/>
+        </p:nvGrpSpPr>
+        <p:grpSpPr>
+          <a:xfrm>
+            <a:off x="7306066" y="1777255"/>
+            <a:ext cx="1162165" cy="202573"/>
+            <a:chOff x="7306066" y="1777255"/>
+            <a:chExt cx="1162165" cy="202573"/>
+          </a:xfrm>
+        </p:grpSpPr>
+        <p:sp>
+          <p:nvSpPr>
+            <p:cNvPr id="241" name="No name">
+              <a:extLst>
+                <a:ext uri="{FF2B5EF4-FFF2-40B4-BE49-F238E27FC236}">
+                  <a16:creationId xmlns:a16="http://schemas.microsoft.com/office/drawing/2014/main" id="{0A145870-66DA-4F88-4C02-8928FDE91159}"/>
+                </a:ext>
+              </a:extLst>
+            </p:cNvPr>
+            <p:cNvSpPr/>
+            <p:nvPr/>
+          </p:nvSpPr>
+          <p:spPr>
+            <a:xfrm>
+              <a:off x="7306066" y="1777255"/>
+              <a:ext cx="1162165" cy="202573"/>
+            </a:xfrm>
+            <a:custGeom>
+              <a:avLst/>
+              <a:gdLst/>
+              <a:ahLst/>
+              <a:cxnLst/>
+              <a:rect l="l" t="t" r="r" b="b"/>
+              <a:pathLst>
+                <a:path w="1162165" h="202573">
+                  <a:moveTo>
+                    <a:pt x="0" y="0"/>
+                  </a:moveTo>
+                  <a:lnTo>
+                    <a:pt x="0" y="202573"/>
+                  </a:lnTo>
+                  <a:lnTo>
+                    <a:pt x="1162165" y="202573"/>
+                  </a:lnTo>
+                  <a:lnTo>
+                    <a:pt x="1162165" y="0"/>
+                  </a:lnTo>
+                  <a:lnTo>
+                    <a:pt x="0" y="0"/>
+                  </a:lnTo>
+                  <a:close/>
+                </a:path>
+              </a:pathLst>
+            </a:custGeom>
+            <a:solidFill>
+              <a:srgbClr val="000000">
+                <a:alpha val="100"/>
+              </a:srgbClr>
+            </a:solidFill>
+            <a:ln w="28800" cap="rnd">
+              <a:solidFill>
+                <a:srgbClr val="FFFFFF">
+                  <a:alpha val="100"/>
+                </a:srgbClr>
+              </a:solidFill>
+              <a:headEnd type="none" w="med" len="med"/>
+              <a:tailEnd type="none" w="med" len="med"/>
+            </a:ln>
+          </p:spPr>
+          <p:style>
+            <a:lnRef idx="2">
+              <a:schemeClr val="accent1">
+                <a:shade val="50000"/>
+              </a:schemeClr>
+            </a:lnRef>
+            <a:fillRef idx="1">
+              <a:schemeClr val="accent1"/>
+            </a:fillRef>
+            <a:effectRef idx="0">
+              <a:schemeClr val="accent1"/>
+            </a:effectRef>
+            <a:fontRef idx="minor">
+              <a:schemeClr val="lt1"/>
+            </a:fontRef>
+          </p:style>
+        </p:sp>
+        <p:sp>
+          <p:nvSpPr>
+            <p:cNvPr id="242" name="@">
+              <a:extLst>
+                <a:ext uri="{FF2B5EF4-FFF2-40B4-BE49-F238E27FC236}">
+                  <a16:creationId xmlns:a16="http://schemas.microsoft.com/office/drawing/2014/main" id="{366F084F-6640-8EA2-6116-11A6F42EEB77}"/>
+                </a:ext>
+              </a:extLst>
+            </p:cNvPr>
+            <p:cNvSpPr/>
+            <p:nvPr/>
+          </p:nvSpPr>
+          <p:spPr>
+            <a:xfrm>
+              <a:off x="7306066" y="1777255"/>
+              <a:ext cx="1162165" cy="202573"/>
+            </a:xfrm>
+          </p:spPr>
+          <p:txBody>
+            <a:bodyPr wrap="square" lIns="10800" tIns="10800" rIns="10800" bIns="10800" rtlCol="0" anchor="ctr"/>
+            <a:lstStyle/>
+            <a:p>
+              <a:pPr defTabSz="457200"/>
+              <a:r>
+                <a:rPr sz="1100" kern="100" spc="-9" dirty="0">
+                  <a:solidFill>
+                    <a:srgbClr val="252525"/>
+                  </a:solidFill>
+                  <a:latin typeface="Tahoma"/>
+                </a:rPr>
+                <a:t>Borne à tickets</a:t>
+              </a:r>
+              <a:endParaRPr kern="100" dirty="0"/>
+            </a:p>
+          </p:txBody>
+        </p:sp>
+      </p:grpSp>
     </p:spTree>
   </p:cSld>
   <p:clrMapOvr>
